--- a/A NEURAL NEWORK FROM SCRATCH USING Q-TIP.pptx
+++ b/A NEURAL NEWORK FROM SCRATCH USING Q-TIP.pptx
@@ -5,7 +5,7 @@
     <p:sldMasterId id="2147483712" r:id="rId4"/>
   </p:sldMasterIdLst>
   <p:notesMasterIdLst>
-    <p:notesMasterId r:id="rId15"/>
+    <p:notesMasterId r:id="rId16"/>
   </p:notesMasterIdLst>
   <p:sldIdLst>
     <p:sldId id="257" r:id="rId5"/>
@@ -14,10 +14,11 @@
     <p:sldId id="260" r:id="rId8"/>
     <p:sldId id="261" r:id="rId9"/>
     <p:sldId id="262" r:id="rId10"/>
-    <p:sldId id="264" r:id="rId11"/>
-    <p:sldId id="266" r:id="rId12"/>
-    <p:sldId id="263" r:id="rId13"/>
-    <p:sldId id="265" r:id="rId14"/>
+    <p:sldId id="267" r:id="rId11"/>
+    <p:sldId id="264" r:id="rId12"/>
+    <p:sldId id="266" r:id="rId13"/>
+    <p:sldId id="263" r:id="rId14"/>
+    <p:sldId id="265" r:id="rId15"/>
   </p:sldIdLst>
   <p:sldSz cx="12192000" cy="6858000"/>
   <p:notesSz cx="6858000" cy="9144000"/>
@@ -241,7 +242,7 @@
           <a:p>
             <a:fld id="{07889046-84F9-4C77-84EC-0B3B857C04DD}" type="datetimeFigureOut">
               <a:rPr lang="en-US" smtClean="0"/>
-              <a:t>8/5/2020</a:t>
+              <a:t>8/10/2020</a:t>
             </a:fld>
             <a:endParaRPr lang="en-US"/>
           </a:p>
@@ -1090,7 +1091,52 @@
           <a:bodyPr/>
           <a:lstStyle/>
           <a:p>
-            <a:endParaRPr lang="en-US" dirty="0"/>
+            <a:pPr marL="171450" indent="-171450">
+              <a:buFont typeface="Arial" panose="020B0604020202020204" pitchFamily="34" charset="0"/>
+              <a:buChar char="•"/>
+            </a:pPr>
+            <a:r>
+              <a:rPr lang="en-US" dirty="0"/>
+              <a:t>Think of a </a:t>
+            </a:r>
+            <a:r>
+              <a:rPr lang="en-US" dirty="0" err="1"/>
+              <a:t>Ket</a:t>
+            </a:r>
+            <a:r>
+              <a:rPr lang="en-US" dirty="0"/>
+              <a:t> as a column vector</a:t>
+            </a:r>
+          </a:p>
+          <a:p>
+            <a:pPr marL="171450" indent="-171450">
+              <a:buFont typeface="Arial" panose="020B0604020202020204" pitchFamily="34" charset="0"/>
+              <a:buChar char="•"/>
+            </a:pPr>
+            <a:r>
+              <a:rPr lang="en-US" dirty="0"/>
+              <a:t>Inner product – defines the inner product space </a:t>
+            </a:r>
+          </a:p>
+          <a:p>
+            <a:pPr marL="628650" lvl="1" indent="-171450">
+              <a:buFont typeface="Arial" panose="020B0604020202020204" pitchFamily="34" charset="0"/>
+              <a:buChar char="•"/>
+            </a:pPr>
+            <a:r>
+              <a:rPr lang="en-US" dirty="0"/>
+              <a:t>The inner product provides the definition of distance </a:t>
+            </a:r>
+          </a:p>
+          <a:p>
+            <a:pPr marL="628650" lvl="1" indent="-171450">
+              <a:buFont typeface="Arial" panose="020B0604020202020204" pitchFamily="34" charset="0"/>
+              <a:buChar char="•"/>
+            </a:pPr>
+            <a:r>
+              <a:rPr lang="en-US" dirty="0"/>
+              <a:t>Also defines the concept of angle</a:t>
+            </a:r>
           </a:p>
         </p:txBody>
       </p:sp>
@@ -1111,7 +1157,91 @@
           <a:p>
             <a:fld id="{60F9D191-662D-4C48-A41A-750A0A268190}" type="slidenum">
               <a:rPr lang="en-US" smtClean="0"/>
-              <a:t>9</a:t>
+              <a:t>7</a:t>
+            </a:fld>
+            <a:endParaRPr lang="en-US"/>
+          </a:p>
+        </p:txBody>
+      </p:sp>
+    </p:spTree>
+    <p:extLst>
+      <p:ext uri="{BB962C8B-B14F-4D97-AF65-F5344CB8AC3E}">
+        <p14:creationId xmlns:p14="http://schemas.microsoft.com/office/powerpoint/2010/main" val="2201502291"/>
+      </p:ext>
+    </p:extLst>
+  </p:cSld>
+  <p:clrMapOvr>
+    <a:masterClrMapping/>
+  </p:clrMapOvr>
+</p:notes>
+</file>
+
+<file path=ppt/notesSlides/notesSlide6.xml><?xml version="1.0" encoding="utf-8"?>
+<p:notes xmlns:a="http://schemas.openxmlformats.org/drawingml/2006/main" xmlns:r="http://schemas.openxmlformats.org/officeDocument/2006/relationships" xmlns:p="http://schemas.openxmlformats.org/presentationml/2006/main">
+  <p:cSld>
+    <p:spTree>
+      <p:nvGrpSpPr>
+        <p:cNvPr id="1" name=""/>
+        <p:cNvGrpSpPr/>
+        <p:nvPr/>
+      </p:nvGrpSpPr>
+      <p:grpSpPr>
+        <a:xfrm>
+          <a:off x="0" y="0"/>
+          <a:ext cx="0" cy="0"/>
+          <a:chOff x="0" y="0"/>
+          <a:chExt cx="0" cy="0"/>
+        </a:xfrm>
+      </p:grpSpPr>
+      <p:sp>
+        <p:nvSpPr>
+          <p:cNvPr id="2" name="Slide Image Placeholder 1"/>
+          <p:cNvSpPr>
+            <a:spLocks noGrp="1" noRot="1" noChangeAspect="1"/>
+          </p:cNvSpPr>
+          <p:nvPr>
+            <p:ph type="sldImg"/>
+          </p:nvPr>
+        </p:nvSpPr>
+        <p:spPr/>
+      </p:sp>
+      <p:sp>
+        <p:nvSpPr>
+          <p:cNvPr id="3" name="Notes Placeholder 2"/>
+          <p:cNvSpPr>
+            <a:spLocks noGrp="1"/>
+          </p:cNvSpPr>
+          <p:nvPr>
+            <p:ph type="body" idx="1"/>
+          </p:nvPr>
+        </p:nvSpPr>
+        <p:spPr/>
+        <p:txBody>
+          <a:bodyPr/>
+          <a:lstStyle/>
+          <a:p>
+            <a:endParaRPr lang="en-US" dirty="0"/>
+          </a:p>
+        </p:txBody>
+      </p:sp>
+      <p:sp>
+        <p:nvSpPr>
+          <p:cNvPr id="4" name="Slide Number Placeholder 3"/>
+          <p:cNvSpPr>
+            <a:spLocks noGrp="1"/>
+          </p:cNvSpPr>
+          <p:nvPr>
+            <p:ph type="sldNum" sz="quarter" idx="5"/>
+          </p:nvPr>
+        </p:nvSpPr>
+        <p:spPr/>
+        <p:txBody>
+          <a:bodyPr/>
+          <a:lstStyle/>
+          <a:p>
+            <a:fld id="{60F9D191-662D-4C48-A41A-750A0A268190}" type="slidenum">
+              <a:rPr lang="en-US" smtClean="0"/>
+              <a:t>10</a:t>
             </a:fld>
             <a:endParaRPr lang="en-US"/>
           </a:p>
@@ -1368,7 +1498,7 @@
           <a:p>
             <a:fld id="{ED291B17-9318-49DB-B28B-6E5994AE9581}" type="datetime1">
               <a:rPr lang="en-US" smtClean="0"/>
-              <a:t>8/5/2020</a:t>
+              <a:t>8/10/2020</a:t>
             </a:fld>
             <a:endParaRPr lang="en-US" dirty="0"/>
           </a:p>
@@ -1571,7 +1701,7 @@
           <a:p>
             <a:fld id="{2CED4963-E985-44C4-B8C4-FDD613B7C2F8}" type="datetime1">
               <a:rPr lang="en-US" smtClean="0"/>
-              <a:t>8/5/2020</a:t>
+              <a:t>8/10/2020</a:t>
             </a:fld>
             <a:endParaRPr lang="en-US" dirty="0"/>
           </a:p>
@@ -1933,7 +2063,7 @@
           <a:p>
             <a:fld id="{ED291B17-9318-49DB-B28B-6E5994AE9581}" type="datetime1">
               <a:rPr lang="en-US" smtClean="0"/>
-              <a:t>8/5/2020</a:t>
+              <a:t>8/10/2020</a:t>
             </a:fld>
             <a:endParaRPr lang="en-US" dirty="0"/>
           </a:p>
@@ -2131,7 +2261,7 @@
           <a:p>
             <a:fld id="{78DD82B9-B8EE-4375-B6FF-88FA6ABB15D9}" type="datetime1">
               <a:rPr lang="en-US" smtClean="0"/>
-              <a:t>8/5/2020</a:t>
+              <a:t>8/10/2020</a:t>
             </a:fld>
             <a:endParaRPr lang="en-US" dirty="0"/>
           </a:p>
@@ -2443,7 +2573,7 @@
           <a:p>
             <a:fld id="{B2497495-0637-405E-AE64-5CC7506D51F5}" type="datetime1">
               <a:rPr lang="en-US" smtClean="0"/>
-              <a:t>8/5/2020</a:t>
+              <a:t>8/10/2020</a:t>
             </a:fld>
             <a:endParaRPr lang="en-US" dirty="0"/>
           </a:p>
@@ -2696,7 +2826,7 @@
           <a:p>
             <a:fld id="{7BFFD690-9426-415D-8B65-26881E07B2D4}" type="datetime1">
               <a:rPr lang="en-US" smtClean="0"/>
-              <a:t>8/5/2020</a:t>
+              <a:t>8/10/2020</a:t>
             </a:fld>
             <a:endParaRPr lang="en-US" dirty="0"/>
           </a:p>
@@ -3118,7 +3248,7 @@
           <a:p>
             <a:fld id="{04C4989A-474C-40DE-95B9-011C28B71673}" type="datetime1">
               <a:rPr lang="en-US" smtClean="0"/>
-              <a:t>8/5/2020</a:t>
+              <a:t>8/10/2020</a:t>
             </a:fld>
             <a:endParaRPr lang="en-US" dirty="0"/>
           </a:p>
@@ -3241,7 +3371,7 @@
           <a:p>
             <a:fld id="{5DB4ED54-5B5E-4A04-93D3-5772E3CE3818}" type="datetime1">
               <a:rPr lang="en-US" smtClean="0"/>
-              <a:t>8/5/2020</a:t>
+              <a:t>8/10/2020</a:t>
             </a:fld>
             <a:endParaRPr lang="en-US" dirty="0"/>
           </a:p>
@@ -3336,7 +3466,7 @@
           <a:p>
             <a:fld id="{4EDE50D6-574B-40AF-946F-D52A04ADE379}" type="datetime1">
               <a:rPr lang="en-US" smtClean="0"/>
-              <a:t>8/5/2020</a:t>
+              <a:t>8/10/2020</a:t>
             </a:fld>
             <a:endParaRPr lang="en-US" dirty="0"/>
           </a:p>
@@ -3713,7 +3843,7 @@
           <a:p>
             <a:fld id="{D82884F1-FFEA-405F-9602-3DCA865EDA4E}" type="datetime1">
               <a:rPr lang="en-US" smtClean="0"/>
-              <a:t>8/5/2020</a:t>
+              <a:t>8/10/2020</a:t>
             </a:fld>
             <a:endParaRPr lang="en-US" dirty="0"/>
           </a:p>
@@ -4006,7 +4136,7 @@
           <a:p>
             <a:fld id="{7E18DB4A-8810-4A10-AD5C-D5E2C667F5B3}" type="datetime1">
               <a:rPr lang="en-US" smtClean="0"/>
-              <a:t>8/5/2020</a:t>
+              <a:t>8/10/2020</a:t>
             </a:fld>
             <a:endParaRPr lang="en-US" dirty="0"/>
           </a:p>
@@ -4221,7 +4351,7 @@
           <a:p>
             <a:fld id="{ED291B17-9318-49DB-B28B-6E5994AE9581}" type="datetime1">
               <a:rPr lang="en-US" smtClean="0"/>
-              <a:t>8/5/2020</a:t>
+              <a:t>8/10/2020</a:t>
             </a:fld>
             <a:endParaRPr lang="en-US" dirty="0"/>
           </a:p>
@@ -5230,6 +5360,428 @@
           <p:cNvPr id="2" name="Title 1">
             <a:extLst>
               <a:ext uri="{FF2B5EF4-FFF2-40B4-BE49-F238E27FC236}">
+                <a16:creationId xmlns:a16="http://schemas.microsoft.com/office/drawing/2014/main" id="{2F20417E-1F17-4206-9EEF-5088950BF69B}"/>
+              </a:ext>
+            </a:extLst>
+          </p:cNvPr>
+          <p:cNvSpPr>
+            <a:spLocks noGrp="1"/>
+          </p:cNvSpPr>
+          <p:nvPr>
+            <p:ph type="title"/>
+          </p:nvPr>
+        </p:nvSpPr>
+        <p:spPr>
+          <a:xfrm>
+            <a:off x="581192" y="702156"/>
+            <a:ext cx="11029616" cy="722883"/>
+          </a:xfrm>
+        </p:spPr>
+        <p:txBody>
+          <a:bodyPr/>
+          <a:lstStyle/>
+          <a:p>
+            <a:r>
+              <a:rPr lang="en-US" dirty="0"/>
+              <a:t>HILBERT SPACES</a:t>
+            </a:r>
+          </a:p>
+        </p:txBody>
+      </p:sp>
+      <p:sp>
+        <p:nvSpPr>
+          <p:cNvPr id="3" name="Content Placeholder 2">
+            <a:extLst>
+              <a:ext uri="{FF2B5EF4-FFF2-40B4-BE49-F238E27FC236}">
+                <a16:creationId xmlns:a16="http://schemas.microsoft.com/office/drawing/2014/main" id="{C7EEB633-F24A-44D1-A61B-2F0ABB91FB0C}"/>
+              </a:ext>
+            </a:extLst>
+          </p:cNvPr>
+          <p:cNvSpPr>
+            <a:spLocks noGrp="1"/>
+          </p:cNvSpPr>
+          <p:nvPr>
+            <p:ph idx="1"/>
+          </p:nvPr>
+        </p:nvSpPr>
+        <p:spPr>
+          <a:xfrm>
+            <a:off x="581192" y="1567543"/>
+            <a:ext cx="11029615" cy="4407807"/>
+          </a:xfrm>
+        </p:spPr>
+        <p:txBody>
+          <a:bodyPr anchor="t"/>
+          <a:lstStyle/>
+          <a:p>
+            <a:r>
+              <a:rPr lang="en-US" b="0" i="0" dirty="0">
+                <a:solidFill>
+                  <a:srgbClr val="202122"/>
+                </a:solidFill>
+                <a:effectLst/>
+                <a:latin typeface="Arial" panose="020B0604020202020204" pitchFamily="34" charset="0"/>
+              </a:rPr>
+              <a:t>“The </a:t>
+            </a:r>
+            <a:r>
+              <a:rPr lang="en-US" b="0" i="0" u="none" strike="noStrike" dirty="0">
+                <a:solidFill>
+                  <a:srgbClr val="0B0080"/>
+                </a:solidFill>
+                <a:effectLst/>
+                <a:latin typeface="Arial" panose="020B0604020202020204" pitchFamily="34" charset="0"/>
+              </a:rPr>
+              <a:t>mathematical</a:t>
+            </a:r>
+            <a:r>
+              <a:rPr lang="en-US" b="0" i="0" dirty="0">
+                <a:solidFill>
+                  <a:srgbClr val="202122"/>
+                </a:solidFill>
+                <a:effectLst/>
+                <a:latin typeface="Arial" panose="020B0604020202020204" pitchFamily="34" charset="0"/>
+              </a:rPr>
+              <a:t> concept of a </a:t>
+            </a:r>
+            <a:r>
+              <a:rPr lang="en-US" b="1" i="0" dirty="0">
+                <a:solidFill>
+                  <a:srgbClr val="202122"/>
+                </a:solidFill>
+                <a:effectLst/>
+                <a:latin typeface="Arial" panose="020B0604020202020204" pitchFamily="34" charset="0"/>
+              </a:rPr>
+              <a:t>Hilbert space</a:t>
+            </a:r>
+            <a:r>
+              <a:rPr lang="en-US" b="0" i="0" dirty="0">
+                <a:solidFill>
+                  <a:srgbClr val="202122"/>
+                </a:solidFill>
+                <a:effectLst/>
+                <a:latin typeface="Arial" panose="020B0604020202020204" pitchFamily="34" charset="0"/>
+              </a:rPr>
+              <a:t>, named after </a:t>
+            </a:r>
+            <a:r>
+              <a:rPr lang="en-US" b="0" i="0" u="none" strike="noStrike" dirty="0">
+                <a:solidFill>
+                  <a:srgbClr val="0B0080"/>
+                </a:solidFill>
+                <a:effectLst/>
+                <a:latin typeface="Arial" panose="020B0604020202020204" pitchFamily="34" charset="0"/>
+              </a:rPr>
+              <a:t>David Hilbert</a:t>
+            </a:r>
+            <a:r>
+              <a:rPr lang="en-US" b="0" i="0" dirty="0">
+                <a:solidFill>
+                  <a:srgbClr val="202122"/>
+                </a:solidFill>
+                <a:effectLst/>
+                <a:latin typeface="Arial" panose="020B0604020202020204" pitchFamily="34" charset="0"/>
+              </a:rPr>
+              <a:t>, generalizes the notion of </a:t>
+            </a:r>
+            <a:r>
+              <a:rPr lang="en-US" b="0" i="0" u="none" strike="noStrike" dirty="0">
+                <a:solidFill>
+                  <a:srgbClr val="0B0080"/>
+                </a:solidFill>
+                <a:effectLst/>
+                <a:latin typeface="Arial" panose="020B0604020202020204" pitchFamily="34" charset="0"/>
+              </a:rPr>
+              <a:t>Euclidean space</a:t>
+            </a:r>
+            <a:r>
+              <a:rPr lang="en-US" b="0" i="0" dirty="0">
+                <a:solidFill>
+                  <a:srgbClr val="202122"/>
+                </a:solidFill>
+                <a:effectLst/>
+                <a:latin typeface="Arial" panose="020B0604020202020204" pitchFamily="34" charset="0"/>
+              </a:rPr>
+              <a:t>. It extends the methods of </a:t>
+            </a:r>
+            <a:r>
+              <a:rPr lang="en-US" b="0" i="0" u="none" strike="noStrike" dirty="0">
+                <a:solidFill>
+                  <a:srgbClr val="0B0080"/>
+                </a:solidFill>
+                <a:effectLst/>
+                <a:latin typeface="Arial" panose="020B0604020202020204" pitchFamily="34" charset="0"/>
+              </a:rPr>
+              <a:t>vector algebra</a:t>
+            </a:r>
+            <a:r>
+              <a:rPr lang="en-US" b="0" i="0" dirty="0">
+                <a:solidFill>
+                  <a:srgbClr val="202122"/>
+                </a:solidFill>
+                <a:effectLst/>
+                <a:latin typeface="Arial" panose="020B0604020202020204" pitchFamily="34" charset="0"/>
+              </a:rPr>
+              <a:t> and </a:t>
+            </a:r>
+            <a:r>
+              <a:rPr lang="en-US" b="0" i="0" u="none" strike="noStrike" dirty="0">
+                <a:solidFill>
+                  <a:srgbClr val="0B0080"/>
+                </a:solidFill>
+                <a:effectLst/>
+                <a:latin typeface="Arial" panose="020B0604020202020204" pitchFamily="34" charset="0"/>
+              </a:rPr>
+              <a:t>calculus</a:t>
+            </a:r>
+            <a:r>
+              <a:rPr lang="en-US" b="0" i="0" dirty="0">
+                <a:solidFill>
+                  <a:srgbClr val="202122"/>
+                </a:solidFill>
+                <a:effectLst/>
+                <a:latin typeface="Arial" panose="020B0604020202020204" pitchFamily="34" charset="0"/>
+              </a:rPr>
+              <a:t> from the two-dimensional </a:t>
+            </a:r>
+            <a:r>
+              <a:rPr lang="en-US" b="0" i="0" u="none" strike="noStrike" dirty="0">
+                <a:solidFill>
+                  <a:srgbClr val="0B0080"/>
+                </a:solidFill>
+                <a:effectLst/>
+                <a:latin typeface="Arial" panose="020B0604020202020204" pitchFamily="34" charset="0"/>
+              </a:rPr>
+              <a:t>Euclidean plane</a:t>
+            </a:r>
+            <a:r>
+              <a:rPr lang="en-US" b="0" i="0" dirty="0">
+                <a:solidFill>
+                  <a:srgbClr val="202122"/>
+                </a:solidFill>
+                <a:effectLst/>
+                <a:latin typeface="Arial" panose="020B0604020202020204" pitchFamily="34" charset="0"/>
+              </a:rPr>
+              <a:t> and three-dimensional space to spaces with any finite or infinite number of </a:t>
+            </a:r>
+            <a:r>
+              <a:rPr lang="en-US" b="0" i="0" u="none" strike="noStrike" dirty="0">
+                <a:solidFill>
+                  <a:srgbClr val="0B0080"/>
+                </a:solidFill>
+                <a:effectLst/>
+                <a:latin typeface="Arial" panose="020B0604020202020204" pitchFamily="34" charset="0"/>
+              </a:rPr>
+              <a:t>dimensions</a:t>
+            </a:r>
+            <a:r>
+              <a:rPr lang="en-US" b="0" i="0" dirty="0">
+                <a:solidFill>
+                  <a:srgbClr val="202122"/>
+                </a:solidFill>
+                <a:effectLst/>
+                <a:latin typeface="Arial" panose="020B0604020202020204" pitchFamily="34" charset="0"/>
+              </a:rPr>
+              <a:t>. A Hilbert space is an abstract </a:t>
+            </a:r>
+            <a:r>
+              <a:rPr lang="en-US" b="0" i="0" u="none" strike="noStrike" dirty="0">
+                <a:solidFill>
+                  <a:srgbClr val="0B0080"/>
+                </a:solidFill>
+                <a:effectLst/>
+                <a:latin typeface="Arial" panose="020B0604020202020204" pitchFamily="34" charset="0"/>
+              </a:rPr>
+              <a:t>vector space</a:t>
+            </a:r>
+            <a:r>
+              <a:rPr lang="en-US" b="0" i="0" dirty="0">
+                <a:solidFill>
+                  <a:srgbClr val="202122"/>
+                </a:solidFill>
+                <a:effectLst/>
+                <a:latin typeface="Arial" panose="020B0604020202020204" pitchFamily="34" charset="0"/>
+              </a:rPr>
+              <a:t> possessing the </a:t>
+            </a:r>
+            <a:r>
+              <a:rPr lang="en-US" b="0" i="0" u="none" strike="noStrike" dirty="0">
+                <a:solidFill>
+                  <a:srgbClr val="0B0080"/>
+                </a:solidFill>
+                <a:effectLst/>
+                <a:latin typeface="Arial" panose="020B0604020202020204" pitchFamily="34" charset="0"/>
+              </a:rPr>
+              <a:t>structure</a:t>
+            </a:r>
+            <a:r>
+              <a:rPr lang="en-US" b="0" i="0" dirty="0">
+                <a:solidFill>
+                  <a:srgbClr val="202122"/>
+                </a:solidFill>
+                <a:effectLst/>
+                <a:latin typeface="Arial" panose="020B0604020202020204" pitchFamily="34" charset="0"/>
+              </a:rPr>
+              <a:t> of an </a:t>
+            </a:r>
+            <a:r>
+              <a:rPr lang="en-US" b="0" i="0" u="none" strike="noStrike" dirty="0">
+                <a:solidFill>
+                  <a:srgbClr val="0B0080"/>
+                </a:solidFill>
+                <a:effectLst/>
+                <a:latin typeface="Arial" panose="020B0604020202020204" pitchFamily="34" charset="0"/>
+              </a:rPr>
+              <a:t>inner product</a:t>
+            </a:r>
+            <a:r>
+              <a:rPr lang="en-US" b="0" i="0" dirty="0">
+                <a:solidFill>
+                  <a:srgbClr val="202122"/>
+                </a:solidFill>
+                <a:effectLst/>
+                <a:latin typeface="Arial" panose="020B0604020202020204" pitchFamily="34" charset="0"/>
+              </a:rPr>
+              <a:t> that allows length and angle to be measured. Furthermore, Hilbert spaces are </a:t>
+            </a:r>
+            <a:r>
+              <a:rPr lang="en-US" b="0" i="0" u="none" strike="noStrike" dirty="0">
+                <a:solidFill>
+                  <a:srgbClr val="0B0080"/>
+                </a:solidFill>
+                <a:effectLst/>
+                <a:latin typeface="Arial" panose="020B0604020202020204" pitchFamily="34" charset="0"/>
+              </a:rPr>
+              <a:t>complete</a:t>
+            </a:r>
+            <a:r>
+              <a:rPr lang="en-US" b="0" i="0" dirty="0">
+                <a:solidFill>
+                  <a:srgbClr val="202122"/>
+                </a:solidFill>
+                <a:effectLst/>
+                <a:latin typeface="Arial" panose="020B0604020202020204" pitchFamily="34" charset="0"/>
+              </a:rPr>
+              <a:t>: there are enough </a:t>
+            </a:r>
+            <a:r>
+              <a:rPr lang="en-US" b="0" i="0" u="none" strike="noStrike" dirty="0">
+                <a:solidFill>
+                  <a:srgbClr val="0B0080"/>
+                </a:solidFill>
+                <a:effectLst/>
+                <a:latin typeface="Arial" panose="020B0604020202020204" pitchFamily="34" charset="0"/>
+              </a:rPr>
+              <a:t>limits</a:t>
+            </a:r>
+            <a:r>
+              <a:rPr lang="en-US" b="0" i="0" dirty="0">
+                <a:solidFill>
+                  <a:srgbClr val="202122"/>
+                </a:solidFill>
+                <a:effectLst/>
+                <a:latin typeface="Arial" panose="020B0604020202020204" pitchFamily="34" charset="0"/>
+              </a:rPr>
+              <a:t> in the space to allow the techniques of calculus to be used.” (</a:t>
+            </a:r>
+            <a:r>
+              <a:rPr lang="en-US" dirty="0">
+                <a:hlinkClick r:id="rId3"/>
+              </a:rPr>
+              <a:t>https://en.wikipedia.org/wiki/Hilbert_space</a:t>
+            </a:r>
+            <a:r>
+              <a:rPr lang="en-US" dirty="0"/>
+              <a:t>)</a:t>
+            </a:r>
+          </a:p>
+          <a:p>
+            <a:r>
+              <a:rPr lang="en-US" dirty="0"/>
+              <a:t>Creating a Hilbert space of arbitrary dimensions is trivial in </a:t>
+            </a:r>
+            <a:r>
+              <a:rPr lang="en-US" dirty="0" err="1"/>
+              <a:t>QuTiP</a:t>
+            </a:r>
+            <a:r>
+              <a:rPr lang="en-US" dirty="0"/>
+              <a:t> - in this case an 8-dimension space where the ground state energy is in the first state (n=1)</a:t>
+            </a:r>
+          </a:p>
+          <a:p>
+            <a:endParaRPr lang="en-US" dirty="0"/>
+          </a:p>
+          <a:p>
+            <a:endParaRPr lang="en-US" dirty="0"/>
+          </a:p>
+        </p:txBody>
+      </p:sp>
+      <p:pic>
+        <p:nvPicPr>
+          <p:cNvPr id="4" name="Picture 3">
+            <a:extLst>
+              <a:ext uri="{FF2B5EF4-FFF2-40B4-BE49-F238E27FC236}">
+                <a16:creationId xmlns:a16="http://schemas.microsoft.com/office/drawing/2014/main" id="{9B0B8B48-6627-43DB-8266-84DE0A3B2A71}"/>
+              </a:ext>
+            </a:extLst>
+          </p:cNvPr>
+          <p:cNvPicPr>
+            <a:picLocks noChangeAspect="1"/>
+          </p:cNvPicPr>
+          <p:nvPr/>
+        </p:nvPicPr>
+        <p:blipFill>
+          <a:blip r:embed="rId4"/>
+          <a:stretch>
+            <a:fillRect/>
+          </a:stretch>
+        </p:blipFill>
+        <p:spPr>
+          <a:xfrm>
+            <a:off x="1175658" y="4162528"/>
+            <a:ext cx="8404469" cy="2695472"/>
+          </a:xfrm>
+          <a:prstGeom prst="rect">
+            <a:avLst/>
+          </a:prstGeom>
+        </p:spPr>
+      </p:pic>
+    </p:spTree>
+    <p:extLst>
+      <p:ext uri="{BB962C8B-B14F-4D97-AF65-F5344CB8AC3E}">
+        <p14:creationId xmlns:p14="http://schemas.microsoft.com/office/powerpoint/2010/main" val="3215133490"/>
+      </p:ext>
+    </p:extLst>
+  </p:cSld>
+  <p:clrMapOvr>
+    <a:masterClrMapping/>
+  </p:clrMapOvr>
+</p:sld>
+</file>
+
+<file path=ppt/slides/slide11.xml><?xml version="1.0" encoding="utf-8"?>
+<p:sld xmlns:a="http://schemas.openxmlformats.org/drawingml/2006/main" xmlns:r="http://schemas.openxmlformats.org/officeDocument/2006/relationships" xmlns:p="http://schemas.openxmlformats.org/presentationml/2006/main">
+  <p:cSld>
+    <p:spTree>
+      <p:nvGrpSpPr>
+        <p:cNvPr id="1" name=""/>
+        <p:cNvGrpSpPr/>
+        <p:nvPr/>
+      </p:nvGrpSpPr>
+      <p:grpSpPr>
+        <a:xfrm>
+          <a:off x="0" y="0"/>
+          <a:ext cx="0" cy="0"/>
+          <a:chOff x="0" y="0"/>
+          <a:chExt cx="0" cy="0"/>
+        </a:xfrm>
+      </p:grpSpPr>
+      <p:sp>
+        <p:nvSpPr>
+          <p:cNvPr id="2" name="Title 1">
+            <a:extLst>
+              <a:ext uri="{FF2B5EF4-FFF2-40B4-BE49-F238E27FC236}">
                 <a16:creationId xmlns:a16="http://schemas.microsoft.com/office/drawing/2014/main" id="{2F039928-6DFA-4731-AED4-A389F56881DB}"/>
               </a:ext>
             </a:extLst>
@@ -6798,7 +7350,7 @@
                   <a:srgbClr val="FFFFFF"/>
                 </a:solidFill>
               </a:rPr>
-              <a:t> notation is shorthand way of expressing </a:t>
+              <a:t> notation is method for expressing </a:t>
             </a:r>
             <a:r>
               <a:rPr lang="en-US" sz="1400" b="1" dirty="0">
@@ -7734,6 +8286,14 @@
 <file path=ppt/slides/slide7.xml><?xml version="1.0" encoding="utf-8"?>
 <p:sld xmlns:a="http://schemas.openxmlformats.org/drawingml/2006/main" xmlns:r="http://schemas.openxmlformats.org/officeDocument/2006/relationships" xmlns:p="http://schemas.openxmlformats.org/presentationml/2006/main">
   <p:cSld>
+    <p:bg>
+      <p:bgPr>
+        <a:solidFill>
+          <a:schemeClr val="bg1"/>
+        </a:solidFill>
+        <a:effectLst/>
+      </p:bgPr>
+    </p:bg>
     <p:spTree>
       <p:nvGrpSpPr>
         <p:cNvPr id="1" name=""/>
@@ -7750,10 +8310,289 @@
       </p:grpSpPr>
       <p:sp>
         <p:nvSpPr>
+          <p:cNvPr id="9" name="Rectangle 8">
+            <a:extLst>
+              <a:ext uri="{FF2B5EF4-FFF2-40B4-BE49-F238E27FC236}">
+                <a16:creationId xmlns:a16="http://schemas.microsoft.com/office/drawing/2014/main" id="{E9751CB9-7B25-4EB8-9A6F-82F822549F12}"/>
+              </a:ext>
+              <a:ext uri="{C183D7F6-B498-43B3-948B-1728B52AA6E4}">
+                <adec:decorative xmlns:adec="http://schemas.microsoft.com/office/drawing/2017/decorative" val="1"/>
+              </a:ext>
+            </a:extLst>
+          </p:cNvPr>
+          <p:cNvSpPr>
+            <a:spLocks noGrp="1" noRot="1" noChangeAspect="1" noMove="1" noResize="1" noEditPoints="1" noAdjustHandles="1" noChangeArrowheads="1" noChangeShapeType="1" noTextEdit="1"/>
+          </p:cNvSpPr>
+          <p:nvPr>
+            <p:extLst>
+              <p:ext uri="{386F3935-93C4-4BCD-93E2-E3B085C9AB24}">
+                <p16:designElem xmlns:p16="http://schemas.microsoft.com/office/powerpoint/2015/main" val="1"/>
+              </p:ext>
+            </p:extLst>
+          </p:nvPr>
+        </p:nvSpPr>
+        <p:spPr>
+          <a:xfrm>
+            <a:off x="0" y="0"/>
+            <a:ext cx="12192000" cy="6858000"/>
+          </a:xfrm>
+          <a:prstGeom prst="rect">
+            <a:avLst/>
+          </a:prstGeom>
+          <a:solidFill>
+            <a:srgbClr val="FFFFFF"/>
+          </a:solidFill>
+          <a:ln>
+            <a:noFill/>
+          </a:ln>
+        </p:spPr>
+        <p:style>
+          <a:lnRef idx="2">
+            <a:schemeClr val="accent1">
+              <a:shade val="50000"/>
+            </a:schemeClr>
+          </a:lnRef>
+          <a:fillRef idx="1">
+            <a:schemeClr val="accent1"/>
+          </a:fillRef>
+          <a:effectRef idx="0">
+            <a:schemeClr val="accent1"/>
+          </a:effectRef>
+          <a:fontRef idx="minor">
+            <a:schemeClr val="lt1"/>
+          </a:fontRef>
+        </p:style>
+        <p:txBody>
+          <a:bodyPr rtlCol="0" anchor="ctr"/>
+          <a:lstStyle/>
+          <a:p>
+            <a:pPr algn="ctr"/>
+            <a:endParaRPr lang="en-US"/>
+          </a:p>
+        </p:txBody>
+      </p:sp>
+      <p:sp>
+        <p:nvSpPr>
+          <p:cNvPr id="11" name="Rectangle 10">
+            <a:extLst>
+              <a:ext uri="{FF2B5EF4-FFF2-40B4-BE49-F238E27FC236}">
+                <a16:creationId xmlns:a16="http://schemas.microsoft.com/office/drawing/2014/main" id="{E1317383-CF3B-4B02-9512-BECBEF6362A4}"/>
+              </a:ext>
+              <a:ext uri="{C183D7F6-B498-43B3-948B-1728B52AA6E4}">
+                <adec:decorative xmlns:adec="http://schemas.microsoft.com/office/drawing/2017/decorative" val="1"/>
+              </a:ext>
+            </a:extLst>
+          </p:cNvPr>
+          <p:cNvSpPr>
+            <a:spLocks noGrp="1" noRot="1" noChangeAspect="1" noMove="1" noResize="1" noEditPoints="1" noAdjustHandles="1" noChangeArrowheads="1" noChangeShapeType="1" noTextEdit="1"/>
+          </p:cNvSpPr>
+          <p:nvPr>
+            <p:extLst>
+              <p:ext uri="{386F3935-93C4-4BCD-93E2-E3B085C9AB24}">
+                <p16:designElem xmlns:p16="http://schemas.microsoft.com/office/powerpoint/2015/main" val="1"/>
+              </p:ext>
+            </p:extLst>
+          </p:nvPr>
+        </p:nvSpPr>
+        <p:spPr>
+          <a:xfrm>
+            <a:off x="446534" y="457200"/>
+            <a:ext cx="3703320" cy="94997"/>
+          </a:xfrm>
+          <a:prstGeom prst="rect">
+            <a:avLst/>
+          </a:prstGeom>
+          <a:solidFill>
+            <a:srgbClr val="465359"/>
+          </a:solidFill>
+          <a:ln>
+            <a:noFill/>
+          </a:ln>
+          <a:effectLst/>
+        </p:spPr>
+        <p:style>
+          <a:lnRef idx="1">
+            <a:schemeClr val="accent1"/>
+          </a:lnRef>
+          <a:fillRef idx="3">
+            <a:schemeClr val="accent1"/>
+          </a:fillRef>
+          <a:effectRef idx="2">
+            <a:schemeClr val="accent1"/>
+          </a:effectRef>
+          <a:fontRef idx="minor">
+            <a:schemeClr val="lt1"/>
+          </a:fontRef>
+        </p:style>
+      </p:sp>
+      <p:sp>
+        <p:nvSpPr>
+          <p:cNvPr id="13" name="Rectangle 12">
+            <a:extLst>
+              <a:ext uri="{FF2B5EF4-FFF2-40B4-BE49-F238E27FC236}">
+                <a16:creationId xmlns:a16="http://schemas.microsoft.com/office/drawing/2014/main" id="{B1D4C7A0-6DF2-4F2D-A45D-F111582974C7}"/>
+              </a:ext>
+              <a:ext uri="{C183D7F6-B498-43B3-948B-1728B52AA6E4}">
+                <adec:decorative xmlns:adec="http://schemas.microsoft.com/office/drawing/2017/decorative" val="1"/>
+              </a:ext>
+            </a:extLst>
+          </p:cNvPr>
+          <p:cNvSpPr>
+            <a:spLocks noGrp="1" noRot="1" noChangeAspect="1" noMove="1" noResize="1" noEditPoints="1" noAdjustHandles="1" noChangeArrowheads="1" noChangeShapeType="1" noTextEdit="1"/>
+          </p:cNvSpPr>
+          <p:nvPr>
+            <p:extLst>
+              <p:ext uri="{386F3935-93C4-4BCD-93E2-E3B085C9AB24}">
+                <p16:designElem xmlns:p16="http://schemas.microsoft.com/office/powerpoint/2015/main" val="1"/>
+              </p:ext>
+            </p:extLst>
+          </p:nvPr>
+        </p:nvSpPr>
+        <p:spPr>
+          <a:xfrm>
+            <a:off x="4241830" y="457200"/>
+            <a:ext cx="3703320" cy="91440"/>
+          </a:xfrm>
+          <a:prstGeom prst="rect">
+            <a:avLst/>
+          </a:prstGeom>
+          <a:solidFill>
+            <a:schemeClr val="accent1"/>
+          </a:solidFill>
+          <a:ln>
+            <a:noFill/>
+          </a:ln>
+          <a:effectLst/>
+        </p:spPr>
+        <p:style>
+          <a:lnRef idx="1">
+            <a:schemeClr val="accent1"/>
+          </a:lnRef>
+          <a:fillRef idx="3">
+            <a:schemeClr val="accent1"/>
+          </a:fillRef>
+          <a:effectRef idx="2">
+            <a:schemeClr val="accent1"/>
+          </a:effectRef>
+          <a:fontRef idx="minor">
+            <a:schemeClr val="lt1"/>
+          </a:fontRef>
+        </p:style>
+      </p:sp>
+      <p:sp>
+        <p:nvSpPr>
+          <p:cNvPr id="15" name="Rectangle 14">
+            <a:extLst>
+              <a:ext uri="{FF2B5EF4-FFF2-40B4-BE49-F238E27FC236}">
+                <a16:creationId xmlns:a16="http://schemas.microsoft.com/office/drawing/2014/main" id="{DBF3943D-BCB6-4B31-809D-A005686483B4}"/>
+              </a:ext>
+              <a:ext uri="{C183D7F6-B498-43B3-948B-1728B52AA6E4}">
+                <adec:decorative xmlns:adec="http://schemas.microsoft.com/office/drawing/2017/decorative" val="1"/>
+              </a:ext>
+            </a:extLst>
+          </p:cNvPr>
+          <p:cNvSpPr>
+            <a:spLocks noGrp="1" noRot="1" noChangeAspect="1" noMove="1" noResize="1" noEditPoints="1" noAdjustHandles="1" noChangeArrowheads="1" noChangeShapeType="1" noTextEdit="1"/>
+          </p:cNvSpPr>
+          <p:nvPr>
+            <p:extLst>
+              <p:ext uri="{386F3935-93C4-4BCD-93E2-E3B085C9AB24}">
+                <p16:designElem xmlns:p16="http://schemas.microsoft.com/office/powerpoint/2015/main" val="1"/>
+              </p:ext>
+            </p:extLst>
+          </p:nvPr>
+        </p:nvSpPr>
+        <p:spPr>
+          <a:xfrm>
+            <a:off x="8042147" y="453643"/>
+            <a:ext cx="3703320" cy="98554"/>
+          </a:xfrm>
+          <a:prstGeom prst="rect">
+            <a:avLst/>
+          </a:prstGeom>
+          <a:solidFill>
+            <a:srgbClr val="969FA7"/>
+          </a:solidFill>
+          <a:ln>
+            <a:noFill/>
+          </a:ln>
+          <a:effectLst/>
+        </p:spPr>
+        <p:style>
+          <a:lnRef idx="1">
+            <a:schemeClr val="accent1"/>
+          </a:lnRef>
+          <a:fillRef idx="3">
+            <a:schemeClr val="accent1"/>
+          </a:fillRef>
+          <a:effectRef idx="2">
+            <a:schemeClr val="accent1"/>
+          </a:effectRef>
+          <a:fontRef idx="minor">
+            <a:schemeClr val="lt1"/>
+          </a:fontRef>
+        </p:style>
+      </p:sp>
+      <p:sp>
+        <p:nvSpPr>
+          <p:cNvPr id="17" name="Rectangle 16">
+            <a:extLst>
+              <a:ext uri="{FF2B5EF4-FFF2-40B4-BE49-F238E27FC236}">
+                <a16:creationId xmlns:a16="http://schemas.microsoft.com/office/drawing/2014/main" id="{39373A6F-2E1F-4613-8E1D-D68057D29F31}"/>
+              </a:ext>
+              <a:ext uri="{C183D7F6-B498-43B3-948B-1728B52AA6E4}">
+                <adec:decorative xmlns:adec="http://schemas.microsoft.com/office/drawing/2017/decorative" val="1"/>
+              </a:ext>
+            </a:extLst>
+          </p:cNvPr>
+          <p:cNvSpPr>
+            <a:spLocks noGrp="1" noRot="1" noChangeAspect="1" noMove="1" noResize="1" noEditPoints="1" noAdjustHandles="1" noChangeArrowheads="1" noChangeShapeType="1" noTextEdit="1"/>
+          </p:cNvSpPr>
+          <p:nvPr>
+            <p:extLst>
+              <p:ext uri="{386F3935-93C4-4BCD-93E2-E3B085C9AB24}">
+                <p16:designElem xmlns:p16="http://schemas.microsoft.com/office/powerpoint/2015/main" val="1"/>
+              </p:ext>
+            </p:extLst>
+          </p:nvPr>
+        </p:nvSpPr>
+        <p:spPr>
+          <a:xfrm>
+            <a:off x="442377" y="601200"/>
+            <a:ext cx="3707477" cy="5624979"/>
+          </a:xfrm>
+          <a:prstGeom prst="rect">
+            <a:avLst/>
+          </a:prstGeom>
+          <a:solidFill>
+            <a:srgbClr val="465359"/>
+          </a:solidFill>
+          <a:ln>
+            <a:noFill/>
+          </a:ln>
+          <a:effectLst/>
+        </p:spPr>
+        <p:style>
+          <a:lnRef idx="1">
+            <a:schemeClr val="accent1"/>
+          </a:lnRef>
+          <a:fillRef idx="3">
+            <a:schemeClr val="accent1"/>
+          </a:fillRef>
+          <a:effectRef idx="2">
+            <a:schemeClr val="accent1"/>
+          </a:effectRef>
+          <a:fontRef idx="minor">
+            <a:schemeClr val="lt1"/>
+          </a:fontRef>
+        </p:style>
+      </p:sp>
+      <p:sp>
+        <p:nvSpPr>
           <p:cNvPr id="2" name="Title 1">
             <a:extLst>
               <a:ext uri="{FF2B5EF4-FFF2-40B4-BE49-F238E27FC236}">
-                <a16:creationId xmlns:a16="http://schemas.microsoft.com/office/drawing/2014/main" id="{DA9D2EFB-8757-457D-8345-F1DA3B10035F}"/>
+                <a16:creationId xmlns:a16="http://schemas.microsoft.com/office/drawing/2014/main" id="{0F795911-69AF-44EA-A4DE-4F26898F0F31}"/>
               </a:ext>
             </a:extLst>
           </p:cNvPr>
@@ -7766,18 +8605,50 @@
         </p:nvSpPr>
         <p:spPr>
           <a:xfrm>
-            <a:off x="581191" y="742950"/>
-            <a:ext cx="11029616" cy="685800"/>
-          </a:xfrm>
-        </p:spPr>
-        <p:txBody>
-          <a:bodyPr/>
+            <a:off x="601255" y="702155"/>
+            <a:ext cx="3409783" cy="1300365"/>
+          </a:xfrm>
+        </p:spPr>
+        <p:txBody>
+          <a:bodyPr>
+            <a:normAutofit/>
+          </a:bodyPr>
           <a:lstStyle/>
           <a:p>
-            <a:r>
-              <a:rPr lang="en-US" dirty="0"/>
-              <a:t>Operators: linear algebra’s function</a:t>
-            </a:r>
+            <a:pPr>
+              <a:lnSpc>
+                <a:spcPct val="90000"/>
+              </a:lnSpc>
+            </a:pPr>
+            <a:r>
+              <a:rPr lang="en-US" dirty="0">
+                <a:solidFill>
+                  <a:srgbClr val="FFFFFF"/>
+                </a:solidFill>
+              </a:rPr>
+              <a:t>THIS </a:t>
+            </a:r>
+            <a:r>
+              <a:rPr lang="en-US" b="1" u="sng" dirty="0">
+                <a:solidFill>
+                  <a:srgbClr val="FFFFFF"/>
+                </a:solidFill>
+              </a:rPr>
+              <a:t>IS</a:t>
+            </a:r>
+            <a:r>
+              <a:rPr lang="en-US" dirty="0">
+                <a:solidFill>
+                  <a:srgbClr val="FFFFFF"/>
+                </a:solidFill>
+              </a:rPr>
+              <a:t> the idea behind cosine similarity</a:t>
+            </a:r>
+            <a:endParaRPr lang="en-US" b="1" u="sng" dirty="0">
+              <a:solidFill>
+                <a:srgbClr val="FFFFFF"/>
+              </a:solidFill>
+            </a:endParaRPr>
           </a:p>
         </p:txBody>
       </p:sp>
@@ -7786,7 +8657,7 @@
           <p:cNvPr id="3" name="Content Placeholder 2">
             <a:extLst>
               <a:ext uri="{FF2B5EF4-FFF2-40B4-BE49-F238E27FC236}">
-                <a16:creationId xmlns:a16="http://schemas.microsoft.com/office/drawing/2014/main" id="{45BFBC84-3DDF-41AB-A2D0-42093F2ADCDE}"/>
+                <a16:creationId xmlns:a16="http://schemas.microsoft.com/office/drawing/2014/main" id="{7CBC9E79-4242-4F89-90A5-77556B0B9EF8}"/>
               </a:ext>
             </a:extLst>
           </p:cNvPr>
@@ -7799,41 +8670,81 @@
         </p:nvSpPr>
         <p:spPr>
           <a:xfrm>
-            <a:off x="581192" y="1655064"/>
-            <a:ext cx="11029615" cy="973836"/>
-          </a:xfrm>
-        </p:spPr>
-        <p:txBody>
-          <a:bodyPr anchor="t"/>
+            <a:off x="601255" y="2177142"/>
+            <a:ext cx="3409782" cy="3823607"/>
+          </a:xfrm>
+        </p:spPr>
+        <p:txBody>
+          <a:bodyPr anchor="t">
+            <a:normAutofit/>
+          </a:bodyPr>
           <a:lstStyle/>
           <a:p>
-            <a:r>
-              <a:rPr lang="en-US" dirty="0"/>
-              <a:t>Operators are (</a:t>
-            </a:r>
-            <a:r>
-              <a:rPr lang="en-US" dirty="0" err="1"/>
-              <a:t>nxm</a:t>
-            </a:r>
-            <a:r>
-              <a:rPr lang="en-US" dirty="0"/>
-              <a:t>) matrices that can operate on vectors (or other operators) – provided their dimensions match.</a:t>
-            </a:r>
-          </a:p>
-          <a:p>
-            <a:r>
-              <a:rPr lang="en-US" dirty="0"/>
-              <a:t>The example below creates a random operator – a 4 x 4 matrix consisting of all random values.</a:t>
-            </a:r>
+            <a:pPr>
+              <a:lnSpc>
+                <a:spcPct val="100000"/>
+              </a:lnSpc>
+            </a:pPr>
+            <a:r>
+              <a:rPr lang="en-US" sz="1400" dirty="0">
+                <a:solidFill>
+                  <a:srgbClr val="FFFFFF"/>
+                </a:solidFill>
+              </a:rPr>
+              <a:t>The angle between any two vectors in n-dimensional space defines their </a:t>
+            </a:r>
+            <a:r>
+              <a:rPr lang="en-US" sz="1400" b="1" dirty="0">
+                <a:solidFill>
+                  <a:srgbClr val="FFFFFF"/>
+                </a:solidFill>
+              </a:rPr>
+              <a:t>orientation</a:t>
+            </a:r>
+            <a:r>
+              <a:rPr lang="en-US" sz="1400" dirty="0">
+                <a:solidFill>
+                  <a:srgbClr val="FFFFFF"/>
+                </a:solidFill>
+              </a:rPr>
+              <a:t> with respect to one another. </a:t>
+            </a:r>
+          </a:p>
+          <a:p>
+            <a:pPr>
+              <a:lnSpc>
+                <a:spcPct val="100000"/>
+              </a:lnSpc>
+            </a:pPr>
+            <a:r>
+              <a:rPr lang="en-US" sz="1400" dirty="0">
+                <a:solidFill>
+                  <a:srgbClr val="FFFFFF"/>
+                </a:solidFill>
+              </a:rPr>
+              <a:t>In higher order space it’s hard to visualize this concept. In our first example, what does it mean </a:t>
+            </a:r>
+          </a:p>
+          <a:p>
+            <a:pPr>
+              <a:lnSpc>
+                <a:spcPct val="100000"/>
+              </a:lnSpc>
+            </a:pPr>
+            <a:endParaRPr lang="en-US" sz="1400" b="1" dirty="0">
+              <a:solidFill>
+                <a:srgbClr val="FFFFFF"/>
+              </a:solidFill>
+            </a:endParaRPr>
           </a:p>
         </p:txBody>
       </p:sp>
       <p:pic>
         <p:nvPicPr>
-          <p:cNvPr id="4" name="Picture 3">
+          <p:cNvPr id="6" name="Picture 5">
             <a:extLst>
               <a:ext uri="{FF2B5EF4-FFF2-40B4-BE49-F238E27FC236}">
-                <a16:creationId xmlns:a16="http://schemas.microsoft.com/office/drawing/2014/main" id="{38013662-5BAA-4094-94B4-0320FE84B7EA}"/>
+                <a16:creationId xmlns:a16="http://schemas.microsoft.com/office/drawing/2014/main" id="{B3F917CB-590E-404E-819B-01D1811BC058}"/>
               </a:ext>
             </a:extLst>
           </p:cNvPr>
@@ -7843,15 +8754,122 @@
           <p:nvPr/>
         </p:nvPicPr>
         <p:blipFill>
-          <a:blip r:embed="rId2"/>
+          <a:blip r:embed="rId3"/>
           <a:stretch>
             <a:fillRect/>
           </a:stretch>
         </p:blipFill>
         <p:spPr>
           <a:xfrm>
-            <a:off x="833871" y="2855214"/>
-            <a:ext cx="6041942" cy="3343705"/>
+            <a:off x="4308732" y="752647"/>
+            <a:ext cx="4471043" cy="1798316"/>
+          </a:xfrm>
+          <a:prstGeom prst="rect">
+            <a:avLst/>
+          </a:prstGeom>
+        </p:spPr>
+      </p:pic>
+      <p:pic>
+        <p:nvPicPr>
+          <p:cNvPr id="7" name="Picture 6">
+            <a:extLst>
+              <a:ext uri="{FF2B5EF4-FFF2-40B4-BE49-F238E27FC236}">
+                <a16:creationId xmlns:a16="http://schemas.microsoft.com/office/drawing/2014/main" id="{A5CE6997-F4B4-4ABF-9FE0-21B7D8F11A59}"/>
+              </a:ext>
+            </a:extLst>
+          </p:cNvPr>
+          <p:cNvPicPr>
+            <a:picLocks noChangeAspect="1"/>
+          </p:cNvPicPr>
+          <p:nvPr/>
+        </p:nvPicPr>
+        <p:blipFill>
+          <a:blip r:embed="rId4"/>
+          <a:stretch>
+            <a:fillRect/>
+          </a:stretch>
+        </p:blipFill>
+        <p:spPr>
+          <a:xfrm>
+            <a:off x="5696603" y="1900977"/>
+            <a:ext cx="3954839" cy="3276312"/>
+          </a:xfrm>
+          <a:prstGeom prst="rect">
+            <a:avLst/>
+          </a:prstGeom>
+        </p:spPr>
+      </p:pic>
+      <p:pic>
+        <p:nvPicPr>
+          <p:cNvPr id="2050" name="Picture 2">
+            <a:extLst>
+              <a:ext uri="{FF2B5EF4-FFF2-40B4-BE49-F238E27FC236}">
+                <a16:creationId xmlns:a16="http://schemas.microsoft.com/office/drawing/2014/main" id="{3A689DBC-B06C-45BC-AB5B-C78A385B953C}"/>
+              </a:ext>
+            </a:extLst>
+          </p:cNvPr>
+          <p:cNvPicPr>
+            <a:picLocks noChangeAspect="1" noChangeArrowheads="1"/>
+          </p:cNvPicPr>
+          <p:nvPr/>
+        </p:nvPicPr>
+        <p:blipFill>
+          <a:blip r:embed="rId5">
+            <a:extLst>
+              <a:ext uri="{28A0092B-C50C-407E-A947-70E740481C1C}">
+                <a14:useLocalDpi xmlns:a14="http://schemas.microsoft.com/office/drawing/2010/main" val="0"/>
+              </a:ext>
+            </a:extLst>
+          </a:blip>
+          <a:srcRect/>
+          <a:stretch>
+            <a:fillRect/>
+          </a:stretch>
+        </p:blipFill>
+        <p:spPr bwMode="auto">
+          <a:xfrm>
+            <a:off x="9057137" y="1352337"/>
+            <a:ext cx="2857500" cy="2190750"/>
+          </a:xfrm>
+          <a:prstGeom prst="rect">
+            <a:avLst/>
+          </a:prstGeom>
+          <a:noFill/>
+          <a:extLst>
+            <a:ext uri="{909E8E84-426E-40DD-AFC4-6F175D3DCCD1}">
+              <a14:hiddenFill xmlns:a14="http://schemas.microsoft.com/office/drawing/2010/main">
+                <a:solidFill>
+                  <a:srgbClr val="FFFFFF"/>
+                </a:solidFill>
+              </a14:hiddenFill>
+            </a:ext>
+          </a:extLst>
+        </p:spPr>
+      </p:pic>
+      <p:pic>
+        <p:nvPicPr>
+          <p:cNvPr id="8" name="Picture 7">
+            <a:extLst>
+              <a:ext uri="{FF2B5EF4-FFF2-40B4-BE49-F238E27FC236}">
+                <a16:creationId xmlns:a16="http://schemas.microsoft.com/office/drawing/2014/main" id="{80643B8B-D092-434C-AFC5-846FC0EDDC68}"/>
+              </a:ext>
+            </a:extLst>
+          </p:cNvPr>
+          <p:cNvPicPr>
+            <a:picLocks noChangeAspect="1"/>
+          </p:cNvPicPr>
+          <p:nvPr/>
+        </p:nvPicPr>
+        <p:blipFill>
+          <a:blip r:embed="rId6"/>
+          <a:stretch>
+            <a:fillRect/>
+          </a:stretch>
+        </p:blipFill>
+        <p:spPr>
+          <a:xfrm>
+            <a:off x="4241830" y="5230726"/>
+            <a:ext cx="7136216" cy="1151666"/>
           </a:xfrm>
           <a:prstGeom prst="rect">
             <a:avLst/>
@@ -7861,12 +8879,12 @@
     </p:spTree>
     <p:extLst>
       <p:ext uri="{BB962C8B-B14F-4D97-AF65-F5344CB8AC3E}">
-        <p14:creationId xmlns:p14="http://schemas.microsoft.com/office/powerpoint/2010/main" val="2104495713"/>
+        <p14:creationId xmlns:p14="http://schemas.microsoft.com/office/powerpoint/2010/main" val="2047736617"/>
       </p:ext>
     </p:extLst>
   </p:cSld>
   <p:clrMapOvr>
-    <a:masterClrMapping/>
+    <a:overrideClrMapping bg1="dk1" tx1="lt1" bg2="dk2" tx2="lt2" accent1="accent1" accent2="accent2" accent3="accent3" accent4="accent4" accent5="accent5" accent6="accent6" hlink="hlink" folHlink="folHlink"/>
   </p:clrMapOvr>
 </p:sld>
 </file>
@@ -7893,7 +8911,7 @@
           <p:cNvPr id="2" name="Title 1">
             <a:extLst>
               <a:ext uri="{FF2B5EF4-FFF2-40B4-BE49-F238E27FC236}">
-                <a16:creationId xmlns:a16="http://schemas.microsoft.com/office/drawing/2014/main" id="{AC88D152-1D31-4626-BA19-2DF2F8D738F5}"/>
+                <a16:creationId xmlns:a16="http://schemas.microsoft.com/office/drawing/2014/main" id="{DA9D2EFB-8757-457D-8345-F1DA3B10035F}"/>
               </a:ext>
             </a:extLst>
           </p:cNvPr>
@@ -7906,8 +8924,8 @@
         </p:nvSpPr>
         <p:spPr>
           <a:xfrm>
-            <a:off x="581192" y="702156"/>
-            <a:ext cx="11029616" cy="699132"/>
+            <a:off x="581191" y="742950"/>
+            <a:ext cx="11029616" cy="685800"/>
           </a:xfrm>
         </p:spPr>
         <p:txBody>
@@ -7916,7 +8934,7 @@
           <a:p>
             <a:r>
               <a:rPr lang="en-US" dirty="0"/>
-              <a:t>Operator example</a:t>
+              <a:t>Operators: linear algebra’s function</a:t>
             </a:r>
           </a:p>
         </p:txBody>
@@ -7926,7 +8944,7 @@
           <p:cNvPr id="3" name="Content Placeholder 2">
             <a:extLst>
               <a:ext uri="{FF2B5EF4-FFF2-40B4-BE49-F238E27FC236}">
-                <a16:creationId xmlns:a16="http://schemas.microsoft.com/office/drawing/2014/main" id="{5E6CEAB9-1490-4F66-A744-9FC48EF8A9EA}"/>
+                <a16:creationId xmlns:a16="http://schemas.microsoft.com/office/drawing/2014/main" id="{45BFBC84-3DDF-41AB-A2D0-42093F2ADCDE}"/>
               </a:ext>
             </a:extLst>
           </p:cNvPr>
@@ -7939,22 +8957,69 @@
         </p:nvSpPr>
         <p:spPr>
           <a:xfrm>
-            <a:off x="581192" y="1923803"/>
-            <a:ext cx="11029615" cy="1983179"/>
-          </a:xfrm>
-        </p:spPr>
-        <p:txBody>
-          <a:bodyPr/>
+            <a:off x="581192" y="1655064"/>
+            <a:ext cx="11029615" cy="973836"/>
+          </a:xfrm>
+        </p:spPr>
+        <p:txBody>
+          <a:bodyPr anchor="t"/>
           <a:lstStyle/>
           <a:p>
-            <a:endParaRPr lang="en-US" dirty="0"/>
-          </a:p>
-        </p:txBody>
-      </p:sp>
+            <a:r>
+              <a:rPr lang="en-US" dirty="0"/>
+              <a:t>Operators are (</a:t>
+            </a:r>
+            <a:r>
+              <a:rPr lang="en-US" dirty="0" err="1"/>
+              <a:t>nxm</a:t>
+            </a:r>
+            <a:r>
+              <a:rPr lang="en-US" dirty="0"/>
+              <a:t>) matrices that can operate on vectors (or other operators) – provided their dimensions match.</a:t>
+            </a:r>
+          </a:p>
+          <a:p>
+            <a:r>
+              <a:rPr lang="en-US" dirty="0"/>
+              <a:t>The example below creates a random operator – a 4 x 4 matrix consisting of all random values.</a:t>
+            </a:r>
+          </a:p>
+        </p:txBody>
+      </p:sp>
+      <p:pic>
+        <p:nvPicPr>
+          <p:cNvPr id="4" name="Picture 3">
+            <a:extLst>
+              <a:ext uri="{FF2B5EF4-FFF2-40B4-BE49-F238E27FC236}">
+                <a16:creationId xmlns:a16="http://schemas.microsoft.com/office/drawing/2014/main" id="{38013662-5BAA-4094-94B4-0320FE84B7EA}"/>
+              </a:ext>
+            </a:extLst>
+          </p:cNvPr>
+          <p:cNvPicPr>
+            <a:picLocks noChangeAspect="1"/>
+          </p:cNvPicPr>
+          <p:nvPr/>
+        </p:nvPicPr>
+        <p:blipFill>
+          <a:blip r:embed="rId2"/>
+          <a:stretch>
+            <a:fillRect/>
+          </a:stretch>
+        </p:blipFill>
+        <p:spPr>
+          <a:xfrm>
+            <a:off x="833871" y="2855214"/>
+            <a:ext cx="6041942" cy="3343705"/>
+          </a:xfrm>
+          <a:prstGeom prst="rect">
+            <a:avLst/>
+          </a:prstGeom>
+        </p:spPr>
+      </p:pic>
     </p:spTree>
     <p:extLst>
       <p:ext uri="{BB962C8B-B14F-4D97-AF65-F5344CB8AC3E}">
-        <p14:creationId xmlns:p14="http://schemas.microsoft.com/office/powerpoint/2010/main" val="1374809449"/>
+        <p14:creationId xmlns:p14="http://schemas.microsoft.com/office/powerpoint/2010/main" val="2104495713"/>
       </p:ext>
     </p:extLst>
   </p:cSld>
@@ -7986,7 +9051,7 @@
           <p:cNvPr id="2" name="Title 1">
             <a:extLst>
               <a:ext uri="{FF2B5EF4-FFF2-40B4-BE49-F238E27FC236}">
-                <a16:creationId xmlns:a16="http://schemas.microsoft.com/office/drawing/2014/main" id="{2F20417E-1F17-4206-9EEF-5088950BF69B}"/>
+                <a16:creationId xmlns:a16="http://schemas.microsoft.com/office/drawing/2014/main" id="{AC88D152-1D31-4626-BA19-2DF2F8D738F5}"/>
               </a:ext>
             </a:extLst>
           </p:cNvPr>
@@ -8000,7 +9065,7 @@
         <p:spPr>
           <a:xfrm>
             <a:off x="581192" y="702156"/>
-            <a:ext cx="11029616" cy="722883"/>
+            <a:ext cx="11029616" cy="699132"/>
           </a:xfrm>
         </p:spPr>
         <p:txBody>
@@ -8009,7 +9074,7 @@
           <a:p>
             <a:r>
               <a:rPr lang="en-US" dirty="0"/>
-              <a:t>HILBERT SPACES</a:t>
+              <a:t>Operator example</a:t>
             </a:r>
           </a:p>
         </p:txBody>
@@ -8019,7 +9084,7 @@
           <p:cNvPr id="3" name="Content Placeholder 2">
             <a:extLst>
               <a:ext uri="{FF2B5EF4-FFF2-40B4-BE49-F238E27FC236}">
-                <a16:creationId xmlns:a16="http://schemas.microsoft.com/office/drawing/2014/main" id="{C7EEB633-F24A-44D1-A61B-2F0ABB91FB0C}"/>
+                <a16:creationId xmlns:a16="http://schemas.microsoft.com/office/drawing/2014/main" id="{5E6CEAB9-1490-4F66-A744-9FC48EF8A9EA}"/>
               </a:ext>
             </a:extLst>
           </p:cNvPr>
@@ -8032,351 +9097,22 @@
         </p:nvSpPr>
         <p:spPr>
           <a:xfrm>
-            <a:off x="581192" y="1567543"/>
-            <a:ext cx="11029615" cy="4407807"/>
-          </a:xfrm>
-        </p:spPr>
-        <p:txBody>
-          <a:bodyPr anchor="t"/>
+            <a:off x="581192" y="1923803"/>
+            <a:ext cx="11029615" cy="1983179"/>
+          </a:xfrm>
+        </p:spPr>
+        <p:txBody>
+          <a:bodyPr/>
           <a:lstStyle/>
           <a:p>
-            <a:r>
-              <a:rPr lang="en-US" b="0" i="0" dirty="0">
-                <a:solidFill>
-                  <a:srgbClr val="202122"/>
-                </a:solidFill>
-                <a:effectLst/>
-                <a:latin typeface="Arial" panose="020B0604020202020204" pitchFamily="34" charset="0"/>
-              </a:rPr>
-              <a:t>“The </a:t>
-            </a:r>
-            <a:r>
-              <a:rPr lang="en-US" b="0" i="0" u="none" strike="noStrike" dirty="0">
-                <a:solidFill>
-                  <a:srgbClr val="0B0080"/>
-                </a:solidFill>
-                <a:effectLst/>
-                <a:latin typeface="Arial" panose="020B0604020202020204" pitchFamily="34" charset="0"/>
-              </a:rPr>
-              <a:t>mathematical</a:t>
-            </a:r>
-            <a:r>
-              <a:rPr lang="en-US" b="0" i="0" dirty="0">
-                <a:solidFill>
-                  <a:srgbClr val="202122"/>
-                </a:solidFill>
-                <a:effectLst/>
-                <a:latin typeface="Arial" panose="020B0604020202020204" pitchFamily="34" charset="0"/>
-              </a:rPr>
-              <a:t> concept of a </a:t>
-            </a:r>
-            <a:r>
-              <a:rPr lang="en-US" b="1" i="0" dirty="0">
-                <a:solidFill>
-                  <a:srgbClr val="202122"/>
-                </a:solidFill>
-                <a:effectLst/>
-                <a:latin typeface="Arial" panose="020B0604020202020204" pitchFamily="34" charset="0"/>
-              </a:rPr>
-              <a:t>Hilbert space</a:t>
-            </a:r>
-            <a:r>
-              <a:rPr lang="en-US" b="0" i="0" dirty="0">
-                <a:solidFill>
-                  <a:srgbClr val="202122"/>
-                </a:solidFill>
-                <a:effectLst/>
-                <a:latin typeface="Arial" panose="020B0604020202020204" pitchFamily="34" charset="0"/>
-              </a:rPr>
-              <a:t>, named after </a:t>
-            </a:r>
-            <a:r>
-              <a:rPr lang="en-US" b="0" i="0" u="none" strike="noStrike" dirty="0">
-                <a:solidFill>
-                  <a:srgbClr val="0B0080"/>
-                </a:solidFill>
-                <a:effectLst/>
-                <a:latin typeface="Arial" panose="020B0604020202020204" pitchFamily="34" charset="0"/>
-              </a:rPr>
-              <a:t>David Hilbert</a:t>
-            </a:r>
-            <a:r>
-              <a:rPr lang="en-US" b="0" i="0" dirty="0">
-                <a:solidFill>
-                  <a:srgbClr val="202122"/>
-                </a:solidFill>
-                <a:effectLst/>
-                <a:latin typeface="Arial" panose="020B0604020202020204" pitchFamily="34" charset="0"/>
-              </a:rPr>
-              <a:t>, generalizes the notion of </a:t>
-            </a:r>
-            <a:r>
-              <a:rPr lang="en-US" b="0" i="0" u="none" strike="noStrike" dirty="0">
-                <a:solidFill>
-                  <a:srgbClr val="0B0080"/>
-                </a:solidFill>
-                <a:effectLst/>
-                <a:latin typeface="Arial" panose="020B0604020202020204" pitchFamily="34" charset="0"/>
-              </a:rPr>
-              <a:t>Euclidean space</a:t>
-            </a:r>
-            <a:r>
-              <a:rPr lang="en-US" b="0" i="0" dirty="0">
-                <a:solidFill>
-                  <a:srgbClr val="202122"/>
-                </a:solidFill>
-                <a:effectLst/>
-                <a:latin typeface="Arial" panose="020B0604020202020204" pitchFamily="34" charset="0"/>
-              </a:rPr>
-              <a:t>. It extends the methods of </a:t>
-            </a:r>
-            <a:r>
-              <a:rPr lang="en-US" b="0" i="0" u="none" strike="noStrike" dirty="0">
-                <a:solidFill>
-                  <a:srgbClr val="0B0080"/>
-                </a:solidFill>
-                <a:effectLst/>
-                <a:latin typeface="Arial" panose="020B0604020202020204" pitchFamily="34" charset="0"/>
-              </a:rPr>
-              <a:t>vector algebra</a:t>
-            </a:r>
-            <a:r>
-              <a:rPr lang="en-US" b="0" i="0" dirty="0">
-                <a:solidFill>
-                  <a:srgbClr val="202122"/>
-                </a:solidFill>
-                <a:effectLst/>
-                <a:latin typeface="Arial" panose="020B0604020202020204" pitchFamily="34" charset="0"/>
-              </a:rPr>
-              <a:t> and </a:t>
-            </a:r>
-            <a:r>
-              <a:rPr lang="en-US" b="0" i="0" u="none" strike="noStrike" dirty="0">
-                <a:solidFill>
-                  <a:srgbClr val="0B0080"/>
-                </a:solidFill>
-                <a:effectLst/>
-                <a:latin typeface="Arial" panose="020B0604020202020204" pitchFamily="34" charset="0"/>
-              </a:rPr>
-              <a:t>calculus</a:t>
-            </a:r>
-            <a:r>
-              <a:rPr lang="en-US" b="0" i="0" dirty="0">
-                <a:solidFill>
-                  <a:srgbClr val="202122"/>
-                </a:solidFill>
-                <a:effectLst/>
-                <a:latin typeface="Arial" panose="020B0604020202020204" pitchFamily="34" charset="0"/>
-              </a:rPr>
-              <a:t> from the two-dimensional </a:t>
-            </a:r>
-            <a:r>
-              <a:rPr lang="en-US" b="0" i="0" u="none" strike="noStrike" dirty="0">
-                <a:solidFill>
-                  <a:srgbClr val="0B0080"/>
-                </a:solidFill>
-                <a:effectLst/>
-                <a:latin typeface="Arial" panose="020B0604020202020204" pitchFamily="34" charset="0"/>
-              </a:rPr>
-              <a:t>Euclidean plane</a:t>
-            </a:r>
-            <a:r>
-              <a:rPr lang="en-US" b="0" i="0" dirty="0">
-                <a:solidFill>
-                  <a:srgbClr val="202122"/>
-                </a:solidFill>
-                <a:effectLst/>
-                <a:latin typeface="Arial" panose="020B0604020202020204" pitchFamily="34" charset="0"/>
-              </a:rPr>
-              <a:t> and three-dimensional space to spaces with any finite or infinite number of </a:t>
-            </a:r>
-            <a:r>
-              <a:rPr lang="en-US" b="0" i="0" u="none" strike="noStrike" dirty="0">
-                <a:solidFill>
-                  <a:srgbClr val="0B0080"/>
-                </a:solidFill>
-                <a:effectLst/>
-                <a:latin typeface="Arial" panose="020B0604020202020204" pitchFamily="34" charset="0"/>
-              </a:rPr>
-              <a:t>dimensions</a:t>
-            </a:r>
-            <a:r>
-              <a:rPr lang="en-US" b="0" i="0" dirty="0">
-                <a:solidFill>
-                  <a:srgbClr val="202122"/>
-                </a:solidFill>
-                <a:effectLst/>
-                <a:latin typeface="Arial" panose="020B0604020202020204" pitchFamily="34" charset="0"/>
-              </a:rPr>
-              <a:t>. A Hilbert space is an abstract </a:t>
-            </a:r>
-            <a:r>
-              <a:rPr lang="en-US" b="0" i="0" u="none" strike="noStrike" dirty="0">
-                <a:solidFill>
-                  <a:srgbClr val="0B0080"/>
-                </a:solidFill>
-                <a:effectLst/>
-                <a:latin typeface="Arial" panose="020B0604020202020204" pitchFamily="34" charset="0"/>
-              </a:rPr>
-              <a:t>vector space</a:t>
-            </a:r>
-            <a:r>
-              <a:rPr lang="en-US" b="0" i="0" dirty="0">
-                <a:solidFill>
-                  <a:srgbClr val="202122"/>
-                </a:solidFill>
-                <a:effectLst/>
-                <a:latin typeface="Arial" panose="020B0604020202020204" pitchFamily="34" charset="0"/>
-              </a:rPr>
-              <a:t> possessing the </a:t>
-            </a:r>
-            <a:r>
-              <a:rPr lang="en-US" b="0" i="0" u="none" strike="noStrike" dirty="0">
-                <a:solidFill>
-                  <a:srgbClr val="0B0080"/>
-                </a:solidFill>
-                <a:effectLst/>
-                <a:latin typeface="Arial" panose="020B0604020202020204" pitchFamily="34" charset="0"/>
-              </a:rPr>
-              <a:t>structure</a:t>
-            </a:r>
-            <a:r>
-              <a:rPr lang="en-US" b="0" i="0" dirty="0">
-                <a:solidFill>
-                  <a:srgbClr val="202122"/>
-                </a:solidFill>
-                <a:effectLst/>
-                <a:latin typeface="Arial" panose="020B0604020202020204" pitchFamily="34" charset="0"/>
-              </a:rPr>
-              <a:t> of an </a:t>
-            </a:r>
-            <a:r>
-              <a:rPr lang="en-US" b="0" i="0" u="none" strike="noStrike" dirty="0">
-                <a:solidFill>
-                  <a:srgbClr val="0B0080"/>
-                </a:solidFill>
-                <a:effectLst/>
-                <a:latin typeface="Arial" panose="020B0604020202020204" pitchFamily="34" charset="0"/>
-              </a:rPr>
-              <a:t>inner product</a:t>
-            </a:r>
-            <a:r>
-              <a:rPr lang="en-US" b="0" i="0" dirty="0">
-                <a:solidFill>
-                  <a:srgbClr val="202122"/>
-                </a:solidFill>
-                <a:effectLst/>
-                <a:latin typeface="Arial" panose="020B0604020202020204" pitchFamily="34" charset="0"/>
-              </a:rPr>
-              <a:t> that allows length and angle to be measured. Furthermore, Hilbert spaces are </a:t>
-            </a:r>
-            <a:r>
-              <a:rPr lang="en-US" b="0" i="0" u="none" strike="noStrike" dirty="0">
-                <a:solidFill>
-                  <a:srgbClr val="0B0080"/>
-                </a:solidFill>
-                <a:effectLst/>
-                <a:latin typeface="Arial" panose="020B0604020202020204" pitchFamily="34" charset="0"/>
-              </a:rPr>
-              <a:t>complete</a:t>
-            </a:r>
-            <a:r>
-              <a:rPr lang="en-US" b="0" i="0" dirty="0">
-                <a:solidFill>
-                  <a:srgbClr val="202122"/>
-                </a:solidFill>
-                <a:effectLst/>
-                <a:latin typeface="Arial" panose="020B0604020202020204" pitchFamily="34" charset="0"/>
-              </a:rPr>
-              <a:t>: there are enough </a:t>
-            </a:r>
-            <a:r>
-              <a:rPr lang="en-US" b="0" i="0" u="none" strike="noStrike" dirty="0">
-                <a:solidFill>
-                  <a:srgbClr val="0B0080"/>
-                </a:solidFill>
-                <a:effectLst/>
-                <a:latin typeface="Arial" panose="020B0604020202020204" pitchFamily="34" charset="0"/>
-              </a:rPr>
-              <a:t>limits</a:t>
-            </a:r>
-            <a:r>
-              <a:rPr lang="en-US" b="0" i="0" dirty="0">
-                <a:solidFill>
-                  <a:srgbClr val="202122"/>
-                </a:solidFill>
-                <a:effectLst/>
-                <a:latin typeface="Arial" panose="020B0604020202020204" pitchFamily="34" charset="0"/>
-              </a:rPr>
-              <a:t> in the space to allow the techniques of calculus to be used.” (</a:t>
-            </a:r>
-            <a:r>
-              <a:rPr lang="en-US" dirty="0">
-                <a:hlinkClick r:id="rId3"/>
-              </a:rPr>
-              <a:t>https://en.wikipedia.org/wiki/Hilbert_space</a:t>
-            </a:r>
-            <a:r>
-              <a:rPr lang="en-US" dirty="0"/>
-              <a:t>)</a:t>
-            </a:r>
-          </a:p>
-          <a:p>
-            <a:r>
-              <a:rPr lang="en-US" dirty="0"/>
-              <a:t>Creating a Hilbert space of arbitrary dimensions is trivial in </a:t>
-            </a:r>
-            <a:r>
-              <a:rPr lang="en-US" dirty="0" err="1"/>
-              <a:t>QuTiP</a:t>
-            </a:r>
-            <a:r>
-              <a:rPr lang="en-US" dirty="0"/>
-              <a:t> - in this case an 8-dimension space where the ground state energy is in the first state (n=1)</a:t>
-            </a:r>
-          </a:p>
-          <a:p>
             <a:endParaRPr lang="en-US" dirty="0"/>
           </a:p>
-          <a:p>
-            <a:endParaRPr lang="en-US" dirty="0"/>
-          </a:p>
-        </p:txBody>
-      </p:sp>
-      <p:pic>
-        <p:nvPicPr>
-          <p:cNvPr id="4" name="Picture 3">
-            <a:extLst>
-              <a:ext uri="{FF2B5EF4-FFF2-40B4-BE49-F238E27FC236}">
-                <a16:creationId xmlns:a16="http://schemas.microsoft.com/office/drawing/2014/main" id="{9B0B8B48-6627-43DB-8266-84DE0A3B2A71}"/>
-              </a:ext>
-            </a:extLst>
-          </p:cNvPr>
-          <p:cNvPicPr>
-            <a:picLocks noChangeAspect="1"/>
-          </p:cNvPicPr>
-          <p:nvPr/>
-        </p:nvPicPr>
-        <p:blipFill>
-          <a:blip r:embed="rId4"/>
-          <a:stretch>
-            <a:fillRect/>
-          </a:stretch>
-        </p:blipFill>
-        <p:spPr>
-          <a:xfrm>
-            <a:off x="1175658" y="4162528"/>
-            <a:ext cx="8404469" cy="2695472"/>
-          </a:xfrm>
-          <a:prstGeom prst="rect">
-            <a:avLst/>
-          </a:prstGeom>
-        </p:spPr>
-      </p:pic>
+        </p:txBody>
+      </p:sp>
     </p:spTree>
     <p:extLst>
       <p:ext uri="{BB962C8B-B14F-4D97-AF65-F5344CB8AC3E}">
-        <p14:creationId xmlns:p14="http://schemas.microsoft.com/office/powerpoint/2010/main" val="3215133490"/>
+        <p14:creationId xmlns:p14="http://schemas.microsoft.com/office/powerpoint/2010/main" val="1374809449"/>
       </p:ext>
     </p:extLst>
   </p:cSld>
@@ -8951,24 +9687,6 @@
 </file>
 
 <file path=customXml/item1.xml><?xml version="1.0" encoding="utf-8"?>
-<p:properties xmlns:p="http://schemas.microsoft.com/office/2006/metadata/properties" xmlns:xsi="http://www.w3.org/2001/XMLSchema-instance" xmlns:pc="http://schemas.microsoft.com/office/infopath/2007/PartnerControls">
-  <documentManagement>
-    <Status xmlns="71af3243-3dd4-4a8d-8c0d-dd76da1f02a5">Not started</Status>
-    <MediaServiceKeyPoints xmlns="71af3243-3dd4-4a8d-8c0d-dd76da1f02a5" xsi:nil="true"/>
-  </documentManagement>
-</p:properties>
-</file>
-
-<file path=customXml/item2.xml><?xml version="1.0" encoding="utf-8"?>
-<?mso-contentType ?>
-<FormTemplates xmlns="http://schemas.microsoft.com/sharepoint/v3/contenttype/forms">
-  <Display>DocumentLibraryForm</Display>
-  <Edit>DocumentLibraryForm</Edit>
-  <New>DocumentLibraryForm</New>
-</FormTemplates>
-</file>
-
-<file path=customXml/item3.xml><?xml version="1.0" encoding="utf-8"?>
 <ct:contentTypeSchema xmlns:ct="http://schemas.microsoft.com/office/2006/metadata/contentType" xmlns:ma="http://schemas.microsoft.com/office/2006/metadata/properties/metaAttributes" ct:_="" ma:_="" ma:contentTypeName="Document" ma:contentTypeID="0x01010079F111ED35F8CC479449609E8A0923A6" ma:contentTypeVersion="12" ma:contentTypeDescription="Create a new document." ma:contentTypeScope="" ma:versionID="a410dd7f93c95333ffa1b60ed6adedd1">
   <xsd:schema xmlns:xsd="http://www.w3.org/2001/XMLSchema" xmlns:xs="http://www.w3.org/2001/XMLSchema" xmlns:p="http://schemas.microsoft.com/office/2006/metadata/properties" xmlns:ns2="71af3243-3dd4-4a8d-8c0d-dd76da1f02a5" xmlns:ns3="16c05727-aa75-4e4a-9b5f-8a80a1165891" targetNamespace="http://schemas.microsoft.com/office/2006/metadata/properties" ma:root="true" ma:fieldsID="a936d9baba76aa3866493feff160faab" ns2:_="" ns3:_="">
     <xsd:import namespace="71af3243-3dd4-4a8d-8c0d-dd76da1f02a5"/>
@@ -9189,25 +9907,25 @@
 </ct:contentTypeSchema>
 </file>
 
-<file path=customXml/itemProps1.xml><?xml version="1.0" encoding="utf-8"?>
-<ds:datastoreItem xmlns:ds="http://schemas.openxmlformats.org/officeDocument/2006/customXml" ds:itemID="{8D289AE2-D2AE-49D1-AFAC-3A79F6794255}">
-  <ds:schemaRefs>
-    <ds:schemaRef ds:uri="http://schemas.microsoft.com/office/2006/metadata/properties"/>
-    <ds:schemaRef ds:uri="http://schemas.microsoft.com/office/infopath/2007/PartnerControls"/>
-    <ds:schemaRef ds:uri="71af3243-3dd4-4a8d-8c0d-dd76da1f02a5"/>
-  </ds:schemaRefs>
-</ds:datastoreItem>
+<file path=customXml/item2.xml><?xml version="1.0" encoding="utf-8"?>
+<?mso-contentType ?>
+<FormTemplates xmlns="http://schemas.microsoft.com/sharepoint/v3/contenttype/forms">
+  <Display>DocumentLibraryForm</Display>
+  <Edit>DocumentLibraryForm</Edit>
+  <New>DocumentLibraryForm</New>
+</FormTemplates>
 </file>
 
-<file path=customXml/itemProps2.xml><?xml version="1.0" encoding="utf-8"?>
-<ds:datastoreItem xmlns:ds="http://schemas.openxmlformats.org/officeDocument/2006/customXml" ds:itemID="{927BD4C1-B6B1-4715-ABF9-E660A51A4EA0}">
-  <ds:schemaRefs>
-    <ds:schemaRef ds:uri="http://schemas.microsoft.com/sharepoint/v3/contenttype/forms"/>
-  </ds:schemaRefs>
-</ds:datastoreItem>
+<file path=customXml/item3.xml><?xml version="1.0" encoding="utf-8"?>
+<p:properties xmlns:p="http://schemas.microsoft.com/office/2006/metadata/properties" xmlns:xsi="http://www.w3.org/2001/XMLSchema-instance" xmlns:pc="http://schemas.microsoft.com/office/infopath/2007/PartnerControls">
+  <documentManagement>
+    <Status xmlns="71af3243-3dd4-4a8d-8c0d-dd76da1f02a5">Not started</Status>
+    <MediaServiceKeyPoints xmlns="71af3243-3dd4-4a8d-8c0d-dd76da1f02a5" xsi:nil="true"/>
+  </documentManagement>
+</p:properties>
 </file>
 
-<file path=customXml/itemProps3.xml><?xml version="1.0" encoding="utf-8"?>
+<file path=customXml/itemProps1.xml><?xml version="1.0" encoding="utf-8"?>
 <ds:datastoreItem xmlns:ds="http://schemas.openxmlformats.org/officeDocument/2006/customXml" ds:itemID="{41E7CA09-9778-4414-AE97-8064B12DA30E}">
   <ds:schemaRefs>
     <ds:schemaRef ds:uri="http://schemas.microsoft.com/office/2006/metadata/contentType"/>
@@ -9224,4 +9942,22 @@
     <ds:schemaRef ds:uri="http://schemas.microsoft.com/internal/obd"/>
   </ds:schemaRefs>
 </ds:datastoreItem>
+</file>
+
+<file path=customXml/itemProps2.xml><?xml version="1.0" encoding="utf-8"?>
+<ds:datastoreItem xmlns:ds="http://schemas.openxmlformats.org/officeDocument/2006/customXml" ds:itemID="{927BD4C1-B6B1-4715-ABF9-E660A51A4EA0}">
+  <ds:schemaRefs>
+    <ds:schemaRef ds:uri="http://schemas.microsoft.com/sharepoint/v3/contenttype/forms"/>
+  </ds:schemaRefs>
+</ds:datastoreItem>
+</file>
+
+<file path=customXml/itemProps3.xml><?xml version="1.0" encoding="utf-8"?>
+<ds:datastoreItem xmlns:ds="http://schemas.openxmlformats.org/officeDocument/2006/customXml" ds:itemID="{8D289AE2-D2AE-49D1-AFAC-3A79F6794255}">
+  <ds:schemaRefs>
+    <ds:schemaRef ds:uri="http://schemas.microsoft.com/office/2006/metadata/properties"/>
+    <ds:schemaRef ds:uri="http://schemas.microsoft.com/office/infopath/2007/PartnerControls"/>
+    <ds:schemaRef ds:uri="71af3243-3dd4-4a8d-8c0d-dd76da1f02a5"/>
+  </ds:schemaRefs>
+</ds:datastoreItem>
 </file>